--- a/documentation/top on concert.pptx
+++ b/documentation/top on concert.pptx
@@ -12,8 +12,7 @@
     <p:sldId id="259" r:id="rId6"/>
     <p:sldId id="260" r:id="rId7"/>
     <p:sldId id="262" r:id="rId8"/>
-    <p:sldId id="263" r:id="rId9"/>
-    <p:sldId id="264" r:id="rId10"/>
+    <p:sldId id="264" r:id="rId9"/>
   </p:sldIdLst>
   <p:sldSz cx="12192000" cy="6858000"/>
   <p:notesSz cx="6858000" cy="9144000"/>
@@ -112,6 +111,11 @@
       </a:defRPr>
     </a:lvl9pPr>
   </p:defaultTextStyle>
+  <p:extLst>
+    <p:ext uri="{EFAFB233-063F-42B5-8137-9DF3F51BA10A}">
+      <p15:sldGuideLst xmlns:p15="http://schemas.microsoft.com/office/powerpoint/2012/main"/>
+    </p:ext>
+  </p:extLst>
 </p:presentation>
 </file>
 
@@ -285,7 +289,7 @@
             <a:fld id="{87DE6118-2437-4B30-8E3C-4D2BE6020583}" type="datetimeFigureOut">
               <a:rPr lang="en-US" dirty="0"/>
               <a:pPr/>
-              <a:t>9/28/2017</a:t>
+              <a:t>10/5/2017</a:t>
             </a:fld>
             <a:endParaRPr lang="en-US" dirty="0"/>
           </a:p>
@@ -611,7 +615,7 @@
           <a:p>
             <a:fld id="{87DE6118-2437-4B30-8E3C-4D2BE6020583}" type="datetimeFigureOut">
               <a:rPr lang="en-US" dirty="0"/>
-              <a:t>9/28/2017</a:t>
+              <a:t>10/5/2017</a:t>
             </a:fld>
             <a:endParaRPr lang="en-US" dirty="0"/>
           </a:p>
@@ -786,7 +790,7 @@
           <a:p>
             <a:fld id="{87DE6118-2437-4B30-8E3C-4D2BE6020583}" type="datetimeFigureOut">
               <a:rPr lang="en-US" dirty="0"/>
-              <a:t>9/28/2017</a:t>
+              <a:t>10/5/2017</a:t>
             </a:fld>
             <a:endParaRPr lang="en-US" dirty="0"/>
           </a:p>
@@ -951,7 +955,7 @@
           <a:p>
             <a:fld id="{87DE6118-2437-4B30-8E3C-4D2BE6020583}" type="datetimeFigureOut">
               <a:rPr lang="en-US" dirty="0"/>
-              <a:t>9/28/2017</a:t>
+              <a:t>10/5/2017</a:t>
             </a:fld>
             <a:endParaRPr lang="en-US" dirty="0"/>
           </a:p>
@@ -1224,7 +1228,7 @@
             <a:fld id="{87DE6118-2437-4B30-8E3C-4D2BE6020583}" type="datetimeFigureOut">
               <a:rPr lang="en-US" dirty="0"/>
               <a:pPr/>
-              <a:t>9/28/2017</a:t>
+              <a:t>10/5/2017</a:t>
             </a:fld>
             <a:endParaRPr lang="en-US" dirty="0"/>
           </a:p>
@@ -1614,7 +1618,7 @@
           <a:p>
             <a:fld id="{87DE6118-2437-4B30-8E3C-4D2BE6020583}" type="datetimeFigureOut">
               <a:rPr lang="en-US" dirty="0"/>
-              <a:t>9/28/2017</a:t>
+              <a:t>10/5/2017</a:t>
             </a:fld>
             <a:endParaRPr lang="en-US" dirty="0"/>
           </a:p>
@@ -2086,7 +2090,7 @@
           <a:p>
             <a:fld id="{87DE6118-2437-4B30-8E3C-4D2BE6020583}" type="datetimeFigureOut">
               <a:rPr lang="en-US" dirty="0"/>
-              <a:t>9/28/2017</a:t>
+              <a:t>10/5/2017</a:t>
             </a:fld>
             <a:endParaRPr lang="en-US" dirty="0"/>
           </a:p>
@@ -2199,7 +2203,7 @@
           <a:p>
             <a:fld id="{87DE6118-2437-4B30-8E3C-4D2BE6020583}" type="datetimeFigureOut">
               <a:rPr lang="en-US" dirty="0"/>
-              <a:t>9/28/2017</a:t>
+              <a:t>10/5/2017</a:t>
             </a:fld>
             <a:endParaRPr lang="en-US" dirty="0"/>
           </a:p>
@@ -2289,7 +2293,7 @@
           <a:p>
             <a:fld id="{87DE6118-2437-4B30-8E3C-4D2BE6020583}" type="datetimeFigureOut">
               <a:rPr lang="en-US" dirty="0"/>
-              <a:t>9/28/2017</a:t>
+              <a:t>10/5/2017</a:t>
             </a:fld>
             <a:endParaRPr lang="en-US" dirty="0"/>
           </a:p>
@@ -2631,7 +2635,7 @@
             <a:fld id="{87DE6118-2437-4B30-8E3C-4D2BE6020583}" type="datetimeFigureOut">
               <a:rPr lang="en-US" dirty="0"/>
               <a:pPr/>
-              <a:t>9/28/2017</a:t>
+              <a:t>10/5/2017</a:t>
             </a:fld>
             <a:endParaRPr lang="en-US" dirty="0"/>
           </a:p>
@@ -3016,7 +3020,7 @@
             <a:fld id="{87DE6118-2437-4B30-8E3C-4D2BE6020583}" type="datetimeFigureOut">
               <a:rPr lang="en-US" dirty="0"/>
               <a:pPr/>
-              <a:t>9/28/2017</a:t>
+              <a:t>10/5/2017</a:t>
             </a:fld>
             <a:endParaRPr lang="en-US" dirty="0"/>
           </a:p>
@@ -3291,7 +3295,7 @@
             <a:fld id="{87DE6118-2437-4B30-8E3C-4D2BE6020583}" type="datetimeFigureOut">
               <a:rPr lang="en-US" dirty="0"/>
               <a:pPr/>
-              <a:t>9/28/2017</a:t>
+              <a:t>10/5/2017</a:t>
             </a:fld>
             <a:endParaRPr lang="en-US" dirty="0"/>
           </a:p>
@@ -3888,7 +3892,7 @@
         </p:nvSpPr>
         <p:spPr>
           <a:xfrm>
-            <a:off x="8331200" y="673100"/>
+            <a:off x="6197341" y="697623"/>
             <a:ext cx="2079544" cy="646331"/>
           </a:xfrm>
           <a:prstGeom prst="rect">
@@ -3912,6 +3916,51 @@
             <a:r>
               <a:rPr lang="it-IT" dirty="0" smtClean="0"/>
               <a:t>Matricola: 278531</a:t>
+            </a:r>
+            <a:endParaRPr lang="it-IT" dirty="0"/>
+          </a:p>
+        </p:txBody>
+      </p:sp>
+      <p:sp>
+        <p:nvSpPr>
+          <p:cNvPr id="5" name="CasellaDiTesto 4"/>
+          <p:cNvSpPr txBox="1"/>
+          <p:nvPr/>
+        </p:nvSpPr>
+        <p:spPr>
+          <a:xfrm>
+            <a:off x="8471807" y="697623"/>
+            <a:ext cx="1983685" cy="646331"/>
+          </a:xfrm>
+          <a:prstGeom prst="rect">
+            <a:avLst/>
+          </a:prstGeom>
+          <a:noFill/>
+        </p:spPr>
+        <p:txBody>
+          <a:bodyPr wrap="none" rtlCol="0">
+            <a:spAutoFit/>
+          </a:bodyPr>
+          <a:lstStyle/>
+          <a:p>
+            <a:r>
+              <a:rPr lang="it-IT" dirty="0" smtClean="0"/>
+              <a:t>Danilo Argentiero</a:t>
+            </a:r>
+            <a:r>
+              <a:rPr lang="it-IT" dirty="0" smtClean="0"/>
+              <a:t/>
+            </a:r>
+            <a:br>
+              <a:rPr lang="it-IT" dirty="0" smtClean="0"/>
+            </a:br>
+            <a:r>
+              <a:rPr lang="it-IT" dirty="0" smtClean="0"/>
+              <a:t>Matricola: </a:t>
+            </a:r>
+            <a:r>
+              <a:rPr lang="it-IT" dirty="0" smtClean="0"/>
+              <a:t>274892</a:t>
             </a:r>
             <a:endParaRPr lang="it-IT" dirty="0"/>
           </a:p>
@@ -4423,30 +4472,35 @@
           </a:p>
         </p:txBody>
       </p:sp>
-      <p:sp>
-        <p:nvSpPr>
-          <p:cNvPr id="3" name="Segnaposto contenuto 2"/>
-          <p:cNvSpPr>
-            <a:spLocks noGrp="1"/>
-          </p:cNvSpPr>
+      <p:pic>
+        <p:nvPicPr>
+          <p:cNvPr id="4" name="Segnaposto contenuto 3"/>
+          <p:cNvPicPr>
+            <a:picLocks noGrp="1" noChangeAspect="1"/>
+          </p:cNvPicPr>
           <p:nvPr>
             <p:ph idx="1"/>
           </p:nvPr>
-        </p:nvSpPr>
-        <p:spPr>
-          <a:xfrm>
-            <a:off x="1498600" y="1955800"/>
-            <a:ext cx="9601200" cy="4470400"/>
-          </a:xfrm>
-        </p:spPr>
-        <p:txBody>
-          <a:bodyPr/>
-          <a:lstStyle/>
-          <a:p>
-            <a:endParaRPr lang="it-IT" dirty="0"/>
-          </a:p>
-        </p:txBody>
-      </p:sp>
+        </p:nvPicPr>
+        <p:blipFill>
+          <a:blip r:embed="rId2">
+            <a:extLst>
+              <a:ext uri="{28A0092B-C50C-407E-A947-70E740481C1C}">
+                <a14:useLocalDpi xmlns:a14="http://schemas.microsoft.com/office/drawing/2010/main" val="0"/>
+              </a:ext>
+            </a:extLst>
+          </a:blip>
+          <a:stretch>
+            <a:fillRect/>
+          </a:stretch>
+        </p:blipFill>
+        <p:spPr>
+          <a:xfrm>
+            <a:off x="2328540" y="1955800"/>
+            <a:ext cx="7941320" cy="4470400"/>
+          </a:xfrm>
+        </p:spPr>
+      </p:pic>
     </p:spTree>
     <p:extLst>
       <p:ext uri="{BB962C8B-B14F-4D97-AF65-F5344CB8AC3E}">
@@ -4570,124 +4624,170 @@
           <a:p>
             <a:pPr algn="ctr"/>
             <a:r>
+              <a:rPr lang="it-IT" dirty="0" smtClean="0"/>
+              <a:t>CHIAMATA REST AL DATABASE</a:t>
+            </a:r>
+            <a:endParaRPr lang="it-IT" dirty="0"/>
+          </a:p>
+        </p:txBody>
+      </p:sp>
+      <p:sp>
+        <p:nvSpPr>
+          <p:cNvPr id="3" name="Segnaposto contenuto 2"/>
+          <p:cNvSpPr>
+            <a:spLocks noGrp="1"/>
+          </p:cNvSpPr>
+          <p:nvPr>
+            <p:ph sz="half" idx="1"/>
+          </p:nvPr>
+        </p:nvSpPr>
+        <p:spPr>
+          <a:xfrm>
+            <a:off x="1371600" y="2285999"/>
+            <a:ext cx="4447786" cy="4152901"/>
+          </a:xfrm>
+        </p:spPr>
+        <p:txBody>
+          <a:bodyPr>
+            <a:normAutofit lnSpcReduction="10000"/>
+          </a:bodyPr>
+          <a:lstStyle/>
+          <a:p>
+            <a:r>
+              <a:rPr lang="it-IT" dirty="0" smtClean="0"/>
+              <a:t>In </a:t>
+            </a:r>
+            <a:r>
+              <a:rPr lang="it-IT" b="1" dirty="0" smtClean="0"/>
+              <a:t>ZEND FRAMEWORK</a:t>
+            </a:r>
+          </a:p>
+          <a:p>
+            <a:pPr lvl="1"/>
+            <a:r>
+              <a:rPr lang="it-IT" dirty="0" smtClean="0"/>
+              <a:t>Occorre impostare le dipendenze nel nuovo modulo API e, attraverso un Controller, specificare i metodi:</a:t>
+            </a:r>
+          </a:p>
+          <a:p>
+            <a:pPr lvl="2"/>
+            <a:r>
+              <a:rPr lang="it-IT" b="1" dirty="0" err="1" smtClean="0"/>
+              <a:t>getOptions</a:t>
+            </a:r>
+            <a:r>
+              <a:rPr lang="it-IT" b="1" dirty="0" smtClean="0"/>
+              <a:t>():</a:t>
+            </a:r>
+            <a:r>
+              <a:rPr lang="it-IT" dirty="0" smtClean="0"/>
+              <a:t> restituisce la lista dei metodi HTTP consentiti;</a:t>
+            </a:r>
+          </a:p>
+          <a:p>
+            <a:pPr lvl="2"/>
+            <a:r>
+              <a:rPr lang="it-IT" b="1" dirty="0" err="1" smtClean="0"/>
+              <a:t>getResetData</a:t>
+            </a:r>
+            <a:r>
+              <a:rPr lang="it-IT" b="1" dirty="0" smtClean="0"/>
+              <a:t>(): </a:t>
+            </a:r>
+            <a:r>
+              <a:rPr lang="it-IT" dirty="0" smtClean="0"/>
+              <a:t>unisce i dati ricevuti dall’utente tramite JSON.</a:t>
+            </a:r>
+          </a:p>
+          <a:p>
+            <a:pPr lvl="2"/>
+            <a:r>
+              <a:rPr lang="it-IT" b="1" dirty="0" err="1" smtClean="0"/>
+              <a:t>onDispach</a:t>
+            </a:r>
+            <a:r>
+              <a:rPr lang="it-IT" b="1" dirty="0" smtClean="0"/>
+              <a:t>(): </a:t>
+            </a:r>
+            <a:r>
+              <a:rPr lang="it-IT" dirty="0"/>
+              <a:t>verifica se le credenziali di autenticazione sono corrette prima di gestire il relativo </a:t>
+            </a:r>
+            <a:r>
+              <a:rPr lang="it-IT" dirty="0"/>
+              <a:t>C</a:t>
+            </a:r>
+            <a:r>
+              <a:rPr lang="it-IT" dirty="0" smtClean="0"/>
+              <a:t>ontroller.</a:t>
+            </a:r>
+            <a:endParaRPr lang="it-IT" b="1" dirty="0"/>
+          </a:p>
+        </p:txBody>
+      </p:sp>
+      <p:sp>
+        <p:nvSpPr>
+          <p:cNvPr id="4" name="Segnaposto contenuto 3"/>
+          <p:cNvSpPr>
+            <a:spLocks noGrp="1"/>
+          </p:cNvSpPr>
+          <p:nvPr>
+            <p:ph sz="half" idx="2"/>
+          </p:nvPr>
+        </p:nvSpPr>
+        <p:spPr/>
+        <p:txBody>
+          <a:bodyPr>
+            <a:normAutofit lnSpcReduction="10000"/>
+          </a:bodyPr>
+          <a:lstStyle/>
+          <a:p>
+            <a:r>
+              <a:rPr lang="it-IT" dirty="0" smtClean="0"/>
+              <a:t>In </a:t>
+            </a:r>
+            <a:r>
               <a:rPr lang="it-IT" b="1" dirty="0" smtClean="0"/>
               <a:t>IONIC FRAMEWORK</a:t>
             </a:r>
-            <a:endParaRPr lang="it-IT" b="1" dirty="0"/>
-          </a:p>
-        </p:txBody>
-      </p:sp>
-      <p:sp>
-        <p:nvSpPr>
-          <p:cNvPr id="3" name="Segnaposto contenuto 2"/>
-          <p:cNvSpPr>
-            <a:spLocks noGrp="1"/>
-          </p:cNvSpPr>
-          <p:nvPr>
-            <p:ph idx="1"/>
-          </p:nvPr>
-        </p:nvSpPr>
-        <p:spPr/>
-        <p:txBody>
-          <a:bodyPr/>
-          <a:lstStyle/>
-          <a:p>
+          </a:p>
+          <a:p>
+            <a:pPr lvl="1"/>
+            <a:r>
+              <a:rPr lang="it-IT" dirty="0" smtClean="0"/>
+              <a:t>La implementiamo all’interno del Controller nel seguente modo:</a:t>
+            </a:r>
+          </a:p>
+          <a:p>
+            <a:pPr lvl="1"/>
             <a:endParaRPr lang="it-IT" dirty="0"/>
           </a:p>
         </p:txBody>
       </p:sp>
-    </p:spTree>
-    <p:extLst>
-      <p:ext uri="{BB962C8B-B14F-4D97-AF65-F5344CB8AC3E}">
-        <p14:creationId xmlns:p14="http://schemas.microsoft.com/office/powerpoint/2010/main" val="2872581770"/>
-      </p:ext>
-    </p:extLst>
-  </p:cSld>
-  <p:clrMapOvr>
-    <a:masterClrMapping/>
-  </p:clrMapOvr>
-</p:sld>
-</file>
-
-<file path=ppt/slides/slide9.xml><?xml version="1.0" encoding="utf-8"?>
-<p:sld xmlns:a="http://schemas.openxmlformats.org/drawingml/2006/main" xmlns:r="http://schemas.openxmlformats.org/officeDocument/2006/relationships" xmlns:p="http://schemas.openxmlformats.org/presentationml/2006/main">
-  <p:cSld>
-    <p:spTree>
-      <p:nvGrpSpPr>
-        <p:cNvPr id="1" name=""/>
-        <p:cNvGrpSpPr/>
-        <p:nvPr/>
-      </p:nvGrpSpPr>
-      <p:grpSpPr>
-        <a:xfrm>
-          <a:off x="0" y="0"/>
-          <a:ext cx="0" cy="0"/>
-          <a:chOff x="0" y="0"/>
-          <a:chExt cx="0" cy="0"/>
-        </a:xfrm>
-      </p:grpSpPr>
-      <p:sp>
-        <p:nvSpPr>
-          <p:cNvPr id="2" name="Titolo 1"/>
-          <p:cNvSpPr>
-            <a:spLocks noGrp="1"/>
-          </p:cNvSpPr>
-          <p:nvPr>
-            <p:ph type="title"/>
-          </p:nvPr>
-        </p:nvSpPr>
-        <p:spPr/>
-        <p:txBody>
-          <a:bodyPr/>
-          <a:lstStyle/>
-          <a:p>
-            <a:pPr algn="ctr"/>
-            <a:r>
-              <a:rPr lang="it-IT" dirty="0" smtClean="0"/>
-              <a:t>CHIAMATA REST AL DATABASE</a:t>
-            </a:r>
-            <a:endParaRPr lang="it-IT" dirty="0"/>
-          </a:p>
-        </p:txBody>
-      </p:sp>
-      <p:sp>
-        <p:nvSpPr>
-          <p:cNvPr id="3" name="Segnaposto contenuto 2"/>
-          <p:cNvSpPr>
-            <a:spLocks noGrp="1"/>
-          </p:cNvSpPr>
-          <p:nvPr>
-            <p:ph sz="half" idx="1"/>
-          </p:nvPr>
-        </p:nvSpPr>
-        <p:spPr/>
-        <p:txBody>
-          <a:bodyPr/>
-          <a:lstStyle/>
-          <a:p>
-            <a:endParaRPr lang="it-IT"/>
-          </a:p>
-        </p:txBody>
-      </p:sp>
-      <p:sp>
-        <p:nvSpPr>
-          <p:cNvPr id="4" name="Segnaposto contenuto 3"/>
-          <p:cNvSpPr>
-            <a:spLocks noGrp="1"/>
-          </p:cNvSpPr>
-          <p:nvPr>
-            <p:ph sz="half" idx="2"/>
-          </p:nvPr>
-        </p:nvSpPr>
-        <p:spPr/>
-        <p:txBody>
-          <a:bodyPr/>
-          <a:lstStyle/>
-          <a:p>
-            <a:endParaRPr lang="it-IT"/>
-          </a:p>
-        </p:txBody>
-      </p:sp>
+      <p:pic>
+        <p:nvPicPr>
+          <p:cNvPr id="5" name="Immagine 4"/>
+          <p:cNvPicPr>
+            <a:picLocks noChangeAspect="1"/>
+          </p:cNvPicPr>
+          <p:nvPr/>
+        </p:nvPicPr>
+        <p:blipFill>
+          <a:blip r:embed="rId2"/>
+          <a:stretch>
+            <a:fillRect/>
+          </a:stretch>
+        </p:blipFill>
+        <p:spPr>
+          <a:xfrm>
+            <a:off x="6417823" y="3606800"/>
+            <a:ext cx="5375683" cy="3022600"/>
+          </a:xfrm>
+          <a:prstGeom prst="rect">
+            <a:avLst/>
+          </a:prstGeom>
+        </p:spPr>
+      </p:pic>
     </p:spTree>
     <p:extLst>
       <p:ext uri="{BB962C8B-B14F-4D97-AF65-F5344CB8AC3E}">

--- a/documentation/top on concert.pptx
+++ b/documentation/top on concert.pptx
@@ -4,6 +4,9 @@
   <p:sldMasterIdLst>
     <p:sldMasterId id="2147483648" r:id="rId1"/>
   </p:sldMasterIdLst>
+  <p:notesMasterIdLst>
+    <p:notesMasterId r:id="rId10"/>
+  </p:notesMasterIdLst>
   <p:sldIdLst>
     <p:sldId id="256" r:id="rId2"/>
     <p:sldId id="257" r:id="rId3"/>
@@ -119,6 +122,356 @@
 </p:presentation>
 </file>
 
+<file path=ppt/notesMasters/notesMaster1.xml><?xml version="1.0" encoding="utf-8"?>
+<p:notesMaster xmlns:a="http://schemas.openxmlformats.org/drawingml/2006/main" xmlns:r="http://schemas.openxmlformats.org/officeDocument/2006/relationships" xmlns:p="http://schemas.openxmlformats.org/presentationml/2006/main">
+  <p:cSld>
+    <p:bg>
+      <p:bgRef idx="1001">
+        <a:schemeClr val="bg1"/>
+      </p:bgRef>
+    </p:bg>
+    <p:spTree>
+      <p:nvGrpSpPr>
+        <p:cNvPr id="1" name=""/>
+        <p:cNvGrpSpPr/>
+        <p:nvPr/>
+      </p:nvGrpSpPr>
+      <p:grpSpPr>
+        <a:xfrm>
+          <a:off x="0" y="0"/>
+          <a:ext cx="0" cy="0"/>
+          <a:chOff x="0" y="0"/>
+          <a:chExt cx="0" cy="0"/>
+        </a:xfrm>
+      </p:grpSpPr>
+      <p:sp>
+        <p:nvSpPr>
+          <p:cNvPr id="2" name="Segnaposto intestazione 1"/>
+          <p:cNvSpPr>
+            <a:spLocks noGrp="1"/>
+          </p:cNvSpPr>
+          <p:nvPr>
+            <p:ph type="hdr" sz="quarter"/>
+          </p:nvPr>
+        </p:nvSpPr>
+        <p:spPr>
+          <a:xfrm>
+            <a:off x="0" y="0"/>
+            <a:ext cx="2971800" cy="458788"/>
+          </a:xfrm>
+          <a:prstGeom prst="rect">
+            <a:avLst/>
+          </a:prstGeom>
+        </p:spPr>
+        <p:txBody>
+          <a:bodyPr vert="horz" lIns="91440" tIns="45720" rIns="91440" bIns="45720" rtlCol="0"/>
+          <a:lstStyle>
+            <a:lvl1pPr algn="l">
+              <a:defRPr sz="1200"/>
+            </a:lvl1pPr>
+          </a:lstStyle>
+          <a:p>
+            <a:endParaRPr lang="it-IT"/>
+          </a:p>
+        </p:txBody>
+      </p:sp>
+      <p:sp>
+        <p:nvSpPr>
+          <p:cNvPr id="3" name="Segnaposto data 2"/>
+          <p:cNvSpPr>
+            <a:spLocks noGrp="1"/>
+          </p:cNvSpPr>
+          <p:nvPr>
+            <p:ph type="dt" idx="1"/>
+          </p:nvPr>
+        </p:nvSpPr>
+        <p:spPr>
+          <a:xfrm>
+            <a:off x="3884613" y="0"/>
+            <a:ext cx="2971800" cy="458788"/>
+          </a:xfrm>
+          <a:prstGeom prst="rect">
+            <a:avLst/>
+          </a:prstGeom>
+        </p:spPr>
+        <p:txBody>
+          <a:bodyPr vert="horz" lIns="91440" tIns="45720" rIns="91440" bIns="45720" rtlCol="0"/>
+          <a:lstStyle>
+            <a:lvl1pPr algn="r">
+              <a:defRPr sz="1200"/>
+            </a:lvl1pPr>
+          </a:lstStyle>
+          <a:p>
+            <a:fld id="{45ED49DC-39BD-4B0E-92C4-649CECE4F26C}" type="datetimeFigureOut">
+              <a:rPr lang="it-IT" smtClean="0"/>
+              <a:t>05/10/2017</a:t>
+            </a:fld>
+            <a:endParaRPr lang="it-IT"/>
+          </a:p>
+        </p:txBody>
+      </p:sp>
+      <p:sp>
+        <p:nvSpPr>
+          <p:cNvPr id="4" name="Segnaposto immagine diapositiva 3"/>
+          <p:cNvSpPr>
+            <a:spLocks noGrp="1" noRot="1" noChangeAspect="1"/>
+          </p:cNvSpPr>
+          <p:nvPr>
+            <p:ph type="sldImg" idx="2"/>
+          </p:nvPr>
+        </p:nvSpPr>
+        <p:spPr>
+          <a:xfrm>
+            <a:off x="685800" y="1143000"/>
+            <a:ext cx="5486400" cy="3086100"/>
+          </a:xfrm>
+          <a:prstGeom prst="rect">
+            <a:avLst/>
+          </a:prstGeom>
+          <a:noFill/>
+          <a:ln w="12700">
+            <a:solidFill>
+              <a:prstClr val="black"/>
+            </a:solidFill>
+          </a:ln>
+        </p:spPr>
+        <p:txBody>
+          <a:bodyPr vert="horz" lIns="91440" tIns="45720" rIns="91440" bIns="45720" rtlCol="0" anchor="ctr"/>
+          <a:lstStyle/>
+          <a:p>
+            <a:endParaRPr lang="it-IT"/>
+          </a:p>
+        </p:txBody>
+      </p:sp>
+      <p:sp>
+        <p:nvSpPr>
+          <p:cNvPr id="5" name="Segnaposto note 4"/>
+          <p:cNvSpPr>
+            <a:spLocks noGrp="1"/>
+          </p:cNvSpPr>
+          <p:nvPr>
+            <p:ph type="body" sz="quarter" idx="3"/>
+          </p:nvPr>
+        </p:nvSpPr>
+        <p:spPr>
+          <a:xfrm>
+            <a:off x="685800" y="4400550"/>
+            <a:ext cx="5486400" cy="3600450"/>
+          </a:xfrm>
+          <a:prstGeom prst="rect">
+            <a:avLst/>
+          </a:prstGeom>
+        </p:spPr>
+        <p:txBody>
+          <a:bodyPr vert="horz" lIns="91440" tIns="45720" rIns="91440" bIns="45720" rtlCol="0"/>
+          <a:lstStyle/>
+          <a:p>
+            <a:pPr lvl="0"/>
+            <a:r>
+              <a:rPr lang="it-IT" smtClean="0"/>
+              <a:t>Modifica gli stili del testo dello schema</a:t>
+            </a:r>
+          </a:p>
+          <a:p>
+            <a:pPr lvl="1"/>
+            <a:r>
+              <a:rPr lang="it-IT" smtClean="0"/>
+              <a:t>Secondo livello</a:t>
+            </a:r>
+          </a:p>
+          <a:p>
+            <a:pPr lvl="2"/>
+            <a:r>
+              <a:rPr lang="it-IT" smtClean="0"/>
+              <a:t>Terzo livello</a:t>
+            </a:r>
+          </a:p>
+          <a:p>
+            <a:pPr lvl="3"/>
+            <a:r>
+              <a:rPr lang="it-IT" smtClean="0"/>
+              <a:t>Quarto livello</a:t>
+            </a:r>
+          </a:p>
+          <a:p>
+            <a:pPr lvl="4"/>
+            <a:r>
+              <a:rPr lang="it-IT" smtClean="0"/>
+              <a:t>Quinto livello</a:t>
+            </a:r>
+            <a:endParaRPr lang="it-IT"/>
+          </a:p>
+        </p:txBody>
+      </p:sp>
+      <p:sp>
+        <p:nvSpPr>
+          <p:cNvPr id="6" name="Segnaposto piè di pagina 5"/>
+          <p:cNvSpPr>
+            <a:spLocks noGrp="1"/>
+          </p:cNvSpPr>
+          <p:nvPr>
+            <p:ph type="ftr" sz="quarter" idx="4"/>
+          </p:nvPr>
+        </p:nvSpPr>
+        <p:spPr>
+          <a:xfrm>
+            <a:off x="0" y="8685213"/>
+            <a:ext cx="2971800" cy="458787"/>
+          </a:xfrm>
+          <a:prstGeom prst="rect">
+            <a:avLst/>
+          </a:prstGeom>
+        </p:spPr>
+        <p:txBody>
+          <a:bodyPr vert="horz" lIns="91440" tIns="45720" rIns="91440" bIns="45720" rtlCol="0" anchor="b"/>
+          <a:lstStyle>
+            <a:lvl1pPr algn="l">
+              <a:defRPr sz="1200"/>
+            </a:lvl1pPr>
+          </a:lstStyle>
+          <a:p>
+            <a:endParaRPr lang="it-IT"/>
+          </a:p>
+        </p:txBody>
+      </p:sp>
+      <p:sp>
+        <p:nvSpPr>
+          <p:cNvPr id="7" name="Segnaposto numero diapositiva 6"/>
+          <p:cNvSpPr>
+            <a:spLocks noGrp="1"/>
+          </p:cNvSpPr>
+          <p:nvPr>
+            <p:ph type="sldNum" sz="quarter" idx="5"/>
+          </p:nvPr>
+        </p:nvSpPr>
+        <p:spPr>
+          <a:xfrm>
+            <a:off x="3884613" y="8685213"/>
+            <a:ext cx="2971800" cy="458787"/>
+          </a:xfrm>
+          <a:prstGeom prst="rect">
+            <a:avLst/>
+          </a:prstGeom>
+        </p:spPr>
+        <p:txBody>
+          <a:bodyPr vert="horz" lIns="91440" tIns="45720" rIns="91440" bIns="45720" rtlCol="0" anchor="b"/>
+          <a:lstStyle>
+            <a:lvl1pPr algn="r">
+              <a:defRPr sz="1200"/>
+            </a:lvl1pPr>
+          </a:lstStyle>
+          <a:p>
+            <a:fld id="{BDB7265A-B0B0-4017-B1B4-9C4ECBCAB9F5}" type="slidenum">
+              <a:rPr lang="it-IT" smtClean="0"/>
+              <a:t>‹N›</a:t>
+            </a:fld>
+            <a:endParaRPr lang="it-IT"/>
+          </a:p>
+        </p:txBody>
+      </p:sp>
+    </p:spTree>
+    <p:extLst>
+      <p:ext uri="{BB962C8B-B14F-4D97-AF65-F5344CB8AC3E}">
+        <p14:creationId xmlns:p14="http://schemas.microsoft.com/office/powerpoint/2010/main" val="589603847"/>
+      </p:ext>
+    </p:extLst>
+  </p:cSld>
+  <p:clrMap bg1="lt1" tx1="dk1" bg2="lt2" tx2="dk2" accent1="accent1" accent2="accent2" accent3="accent3" accent4="accent4" accent5="accent5" accent6="accent6" hlink="hlink" folHlink="folHlink"/>
+  <p:notesStyle>
+    <a:lvl1pPr marL="0" algn="l" defTabSz="914400" rtl="0" eaLnBrk="1" latinLnBrk="0" hangingPunct="1">
+      <a:defRPr sz="1200" kern="1200">
+        <a:solidFill>
+          <a:schemeClr val="tx1"/>
+        </a:solidFill>
+        <a:latin typeface="+mn-lt"/>
+        <a:ea typeface="+mn-ea"/>
+        <a:cs typeface="+mn-cs"/>
+      </a:defRPr>
+    </a:lvl1pPr>
+    <a:lvl2pPr marL="457200" algn="l" defTabSz="914400" rtl="0" eaLnBrk="1" latinLnBrk="0" hangingPunct="1">
+      <a:defRPr sz="1200" kern="1200">
+        <a:solidFill>
+          <a:schemeClr val="tx1"/>
+        </a:solidFill>
+        <a:latin typeface="+mn-lt"/>
+        <a:ea typeface="+mn-ea"/>
+        <a:cs typeface="+mn-cs"/>
+      </a:defRPr>
+    </a:lvl2pPr>
+    <a:lvl3pPr marL="914400" algn="l" defTabSz="914400" rtl="0" eaLnBrk="1" latinLnBrk="0" hangingPunct="1">
+      <a:defRPr sz="1200" kern="1200">
+        <a:solidFill>
+          <a:schemeClr val="tx1"/>
+        </a:solidFill>
+        <a:latin typeface="+mn-lt"/>
+        <a:ea typeface="+mn-ea"/>
+        <a:cs typeface="+mn-cs"/>
+      </a:defRPr>
+    </a:lvl3pPr>
+    <a:lvl4pPr marL="1371600" algn="l" defTabSz="914400" rtl="0" eaLnBrk="1" latinLnBrk="0" hangingPunct="1">
+      <a:defRPr sz="1200" kern="1200">
+        <a:solidFill>
+          <a:schemeClr val="tx1"/>
+        </a:solidFill>
+        <a:latin typeface="+mn-lt"/>
+        <a:ea typeface="+mn-ea"/>
+        <a:cs typeface="+mn-cs"/>
+      </a:defRPr>
+    </a:lvl4pPr>
+    <a:lvl5pPr marL="1828800" algn="l" defTabSz="914400" rtl="0" eaLnBrk="1" latinLnBrk="0" hangingPunct="1">
+      <a:defRPr sz="1200" kern="1200">
+        <a:solidFill>
+          <a:schemeClr val="tx1"/>
+        </a:solidFill>
+        <a:latin typeface="+mn-lt"/>
+        <a:ea typeface="+mn-ea"/>
+        <a:cs typeface="+mn-cs"/>
+      </a:defRPr>
+    </a:lvl5pPr>
+    <a:lvl6pPr marL="2286000" algn="l" defTabSz="914400" rtl="0" eaLnBrk="1" latinLnBrk="0" hangingPunct="1">
+      <a:defRPr sz="1200" kern="1200">
+        <a:solidFill>
+          <a:schemeClr val="tx1"/>
+        </a:solidFill>
+        <a:latin typeface="+mn-lt"/>
+        <a:ea typeface="+mn-ea"/>
+        <a:cs typeface="+mn-cs"/>
+      </a:defRPr>
+    </a:lvl6pPr>
+    <a:lvl7pPr marL="2743200" algn="l" defTabSz="914400" rtl="0" eaLnBrk="1" latinLnBrk="0" hangingPunct="1">
+      <a:defRPr sz="1200" kern="1200">
+        <a:solidFill>
+          <a:schemeClr val="tx1"/>
+        </a:solidFill>
+        <a:latin typeface="+mn-lt"/>
+        <a:ea typeface="+mn-ea"/>
+        <a:cs typeface="+mn-cs"/>
+      </a:defRPr>
+    </a:lvl7pPr>
+    <a:lvl8pPr marL="3200400" algn="l" defTabSz="914400" rtl="0" eaLnBrk="1" latinLnBrk="0" hangingPunct="1">
+      <a:defRPr sz="1200" kern="1200">
+        <a:solidFill>
+          <a:schemeClr val="tx1"/>
+        </a:solidFill>
+        <a:latin typeface="+mn-lt"/>
+        <a:ea typeface="+mn-ea"/>
+        <a:cs typeface="+mn-cs"/>
+      </a:defRPr>
+    </a:lvl8pPr>
+    <a:lvl9pPr marL="3657600" algn="l" defTabSz="914400" rtl="0" eaLnBrk="1" latinLnBrk="0" hangingPunct="1">
+      <a:defRPr sz="1200" kern="1200">
+        <a:solidFill>
+          <a:schemeClr val="tx1"/>
+        </a:solidFill>
+        <a:latin typeface="+mn-lt"/>
+        <a:ea typeface="+mn-ea"/>
+        <a:cs typeface="+mn-cs"/>
+      </a:defRPr>
+    </a:lvl9pPr>
+  </p:notesStyle>
+</p:notesMaster>
+</file>
+
 <file path=ppt/slideLayouts/slideLayout1.xml><?xml version="1.0" encoding="utf-8"?>
 <p:sldLayout xmlns:a="http://schemas.openxmlformats.org/drawingml/2006/main" xmlns:r="http://schemas.openxmlformats.org/officeDocument/2006/relationships" xmlns:p="http://schemas.openxmlformats.org/presentationml/2006/main" showMasterSp="0" type="title" preserve="1">
   <p:cSld name="Diapositiva titolo">
@@ -286,9 +639,8 @@
             </a:lvl1pPr>
           </a:lstStyle>
           <a:p>
-            <a:fld id="{87DE6118-2437-4B30-8E3C-4D2BE6020583}" type="datetimeFigureOut">
-              <a:rPr lang="en-US" dirty="0"/>
-              <a:pPr/>
+            <a:fld id="{8F41F320-E300-41F6-A55E-BEB9CF7B3171}" type="datetime1">
+              <a:rPr lang="en-US" smtClean="0"/>
               <a:t>10/5/2017</a:t>
             </a:fld>
             <a:endParaRPr lang="en-US" dirty="0"/>
@@ -323,6 +675,10 @@
             </a:lvl1pPr>
           </a:lstStyle>
           <a:p>
+            <a:r>
+              <a:rPr lang="it-IT" smtClean="0"/>
+              <a:t>Toponconcert.com by Danilo Argentiero &amp; Francesca Santucci</a:t>
+            </a:r>
             <a:endParaRPr lang="en-US" dirty="0"/>
           </a:p>
         </p:txBody>
@@ -613,8 +969,8 @@
           <a:bodyPr/>
           <a:lstStyle/>
           <a:p>
-            <a:fld id="{87DE6118-2437-4B30-8E3C-4D2BE6020583}" type="datetimeFigureOut">
-              <a:rPr lang="en-US" dirty="0"/>
+            <a:fld id="{5D59A039-6AE2-44E0-83CF-AB8D492E6769}" type="datetime1">
+              <a:rPr lang="en-US" smtClean="0"/>
               <a:t>10/5/2017</a:t>
             </a:fld>
             <a:endParaRPr lang="en-US" dirty="0"/>
@@ -636,6 +992,10 @@
           <a:bodyPr/>
           <a:lstStyle/>
           <a:p>
+            <a:r>
+              <a:rPr lang="it-IT" smtClean="0"/>
+              <a:t>Toponconcert.com by Danilo Argentiero &amp; Francesca Santucci</a:t>
+            </a:r>
             <a:endParaRPr lang="en-US" dirty="0"/>
           </a:p>
         </p:txBody>
@@ -788,8 +1148,8 @@
           <a:bodyPr/>
           <a:lstStyle/>
           <a:p>
-            <a:fld id="{87DE6118-2437-4B30-8E3C-4D2BE6020583}" type="datetimeFigureOut">
-              <a:rPr lang="en-US" dirty="0"/>
+            <a:fld id="{7DCD5524-B111-43C8-8782-4ED5576259BD}" type="datetime1">
+              <a:rPr lang="en-US" smtClean="0"/>
               <a:t>10/5/2017</a:t>
             </a:fld>
             <a:endParaRPr lang="en-US" dirty="0"/>
@@ -811,6 +1171,10 @@
           <a:bodyPr/>
           <a:lstStyle/>
           <a:p>
+            <a:r>
+              <a:rPr lang="it-IT" smtClean="0"/>
+              <a:t>Toponconcert.com by Danilo Argentiero &amp; Francesca Santucci</a:t>
+            </a:r>
             <a:endParaRPr lang="en-US" dirty="0"/>
           </a:p>
         </p:txBody>
@@ -953,8 +1317,8 @@
           <a:bodyPr/>
           <a:lstStyle/>
           <a:p>
-            <a:fld id="{87DE6118-2437-4B30-8E3C-4D2BE6020583}" type="datetimeFigureOut">
-              <a:rPr lang="en-US" dirty="0"/>
+            <a:fld id="{C064DB44-02C0-4790-80ED-DB8E0FF3F1D5}" type="datetime1">
+              <a:rPr lang="en-US" smtClean="0"/>
               <a:t>10/5/2017</a:t>
             </a:fld>
             <a:endParaRPr lang="en-US" dirty="0"/>
@@ -976,6 +1340,10 @@
           <a:bodyPr/>
           <a:lstStyle/>
           <a:p>
+            <a:r>
+              <a:rPr lang="it-IT" smtClean="0"/>
+              <a:t>Toponconcert.com by Danilo Argentiero &amp; Francesca Santucci</a:t>
+            </a:r>
             <a:endParaRPr lang="en-US" dirty="0"/>
           </a:p>
         </p:txBody>
@@ -1225,9 +1593,8 @@
             </a:lvl1pPr>
           </a:lstStyle>
           <a:p>
-            <a:fld id="{87DE6118-2437-4B30-8E3C-4D2BE6020583}" type="datetimeFigureOut">
-              <a:rPr lang="en-US" dirty="0"/>
-              <a:pPr/>
+            <a:fld id="{3B389644-F3A8-4D6F-922B-6BC7B6054E52}" type="datetime1">
+              <a:rPr lang="en-US" smtClean="0"/>
               <a:t>10/5/2017</a:t>
             </a:fld>
             <a:endParaRPr lang="en-US" dirty="0"/>
@@ -1262,6 +1629,10 @@
             </a:lvl1pPr>
           </a:lstStyle>
           <a:p>
+            <a:r>
+              <a:rPr lang="it-IT" smtClean="0"/>
+              <a:t>Toponconcert.com by Danilo Argentiero &amp; Francesca Santucci</a:t>
+            </a:r>
             <a:endParaRPr lang="en-US" dirty="0"/>
           </a:p>
         </p:txBody>
@@ -1616,8 +1987,8 @@
           <a:bodyPr/>
           <a:lstStyle/>
           <a:p>
-            <a:fld id="{87DE6118-2437-4B30-8E3C-4D2BE6020583}" type="datetimeFigureOut">
-              <a:rPr lang="en-US" dirty="0"/>
+            <a:fld id="{D9CC3295-4ACE-42AD-AD7C-9236C8B0B726}" type="datetime1">
+              <a:rPr lang="en-US" smtClean="0"/>
               <a:t>10/5/2017</a:t>
             </a:fld>
             <a:endParaRPr lang="en-US" dirty="0"/>
@@ -1639,6 +2010,10 @@
           <a:bodyPr/>
           <a:lstStyle/>
           <a:p>
+            <a:r>
+              <a:rPr lang="it-IT" smtClean="0"/>
+              <a:t>Toponconcert.com by Danilo Argentiero &amp; Francesca Santucci</a:t>
+            </a:r>
             <a:endParaRPr lang="en-US" dirty="0"/>
           </a:p>
         </p:txBody>
@@ -2088,8 +2463,8 @@
           <a:bodyPr/>
           <a:lstStyle/>
           <a:p>
-            <a:fld id="{87DE6118-2437-4B30-8E3C-4D2BE6020583}" type="datetimeFigureOut">
-              <a:rPr lang="en-US" dirty="0"/>
+            <a:fld id="{1EAF4644-B5E0-4C17-9FD9-3B0205876A3F}" type="datetime1">
+              <a:rPr lang="en-US" smtClean="0"/>
               <a:t>10/5/2017</a:t>
             </a:fld>
             <a:endParaRPr lang="en-US" dirty="0"/>
@@ -2111,6 +2486,10 @@
           <a:bodyPr/>
           <a:lstStyle/>
           <a:p>
+            <a:r>
+              <a:rPr lang="it-IT" smtClean="0"/>
+              <a:t>Toponconcert.com by Danilo Argentiero &amp; Francesca Santucci</a:t>
+            </a:r>
             <a:endParaRPr lang="en-US" dirty="0"/>
           </a:p>
         </p:txBody>
@@ -2201,8 +2580,8 @@
           <a:bodyPr/>
           <a:lstStyle/>
           <a:p>
-            <a:fld id="{87DE6118-2437-4B30-8E3C-4D2BE6020583}" type="datetimeFigureOut">
-              <a:rPr lang="en-US" dirty="0"/>
+            <a:fld id="{7C2D0527-F1C9-469A-AF38-CFC4B9789E2D}" type="datetime1">
+              <a:rPr lang="en-US" smtClean="0"/>
               <a:t>10/5/2017</a:t>
             </a:fld>
             <a:endParaRPr lang="en-US" dirty="0"/>
@@ -2224,6 +2603,10 @@
           <a:bodyPr/>
           <a:lstStyle/>
           <a:p>
+            <a:r>
+              <a:rPr lang="it-IT" smtClean="0"/>
+              <a:t>Toponconcert.com by Danilo Argentiero &amp; Francesca Santucci</a:t>
+            </a:r>
             <a:endParaRPr lang="en-US" dirty="0"/>
           </a:p>
         </p:txBody>
@@ -2291,8 +2674,8 @@
           <a:bodyPr/>
           <a:lstStyle/>
           <a:p>
-            <a:fld id="{87DE6118-2437-4B30-8E3C-4D2BE6020583}" type="datetimeFigureOut">
-              <a:rPr lang="en-US" dirty="0"/>
+            <a:fld id="{10C97528-DE82-4C08-B4DE-0E951422321F}" type="datetime1">
+              <a:rPr lang="en-US" smtClean="0"/>
               <a:t>10/5/2017</a:t>
             </a:fld>
             <a:endParaRPr lang="en-US" dirty="0"/>
@@ -2314,6 +2697,10 @@
           <a:bodyPr/>
           <a:lstStyle/>
           <a:p>
+            <a:r>
+              <a:rPr lang="it-IT" smtClean="0"/>
+              <a:t>Toponconcert.com by Danilo Argentiero &amp; Francesca Santucci</a:t>
+            </a:r>
             <a:endParaRPr lang="en-US" dirty="0"/>
           </a:p>
         </p:txBody>
@@ -2632,9 +3019,8 @@
             </a:lvl1pPr>
           </a:lstStyle>
           <a:p>
-            <a:fld id="{87DE6118-2437-4B30-8E3C-4D2BE6020583}" type="datetimeFigureOut">
-              <a:rPr lang="en-US" dirty="0"/>
-              <a:pPr/>
+            <a:fld id="{4386382C-F660-4D1F-9016-D80769C1B406}" type="datetime1">
+              <a:rPr lang="en-US" smtClean="0"/>
               <a:t>10/5/2017</a:t>
             </a:fld>
             <a:endParaRPr lang="en-US" dirty="0"/>
@@ -2669,6 +3055,10 @@
             </a:lvl1pPr>
           </a:lstStyle>
           <a:p>
+            <a:r>
+              <a:rPr lang="it-IT" smtClean="0"/>
+              <a:t>Toponconcert.com by Danilo Argentiero &amp; Francesca Santucci</a:t>
+            </a:r>
             <a:endParaRPr lang="en-US" dirty="0"/>
           </a:p>
         </p:txBody>
@@ -3017,9 +3407,8 @@
             </a:lvl1pPr>
           </a:lstStyle>
           <a:p>
-            <a:fld id="{87DE6118-2437-4B30-8E3C-4D2BE6020583}" type="datetimeFigureOut">
-              <a:rPr lang="en-US" dirty="0"/>
-              <a:pPr/>
+            <a:fld id="{4CFB596B-DDAD-4459-83CC-D101C85F7590}" type="datetime1">
+              <a:rPr lang="en-US" smtClean="0"/>
               <a:t>10/5/2017</a:t>
             </a:fld>
             <a:endParaRPr lang="en-US" dirty="0"/>
@@ -3054,6 +3443,10 @@
             </a:lvl1pPr>
           </a:lstStyle>
           <a:p>
+            <a:r>
+              <a:rPr lang="it-IT" smtClean="0"/>
+              <a:t>Toponconcert.com by Danilo Argentiero &amp; Francesca Santucci</a:t>
+            </a:r>
             <a:endParaRPr lang="en-US" dirty="0"/>
           </a:p>
         </p:txBody>
@@ -3292,9 +3685,8 @@
             </a:lvl1pPr>
           </a:lstStyle>
           <a:p>
-            <a:fld id="{87DE6118-2437-4B30-8E3C-4D2BE6020583}" type="datetimeFigureOut">
-              <a:rPr lang="en-US" dirty="0"/>
-              <a:pPr/>
+            <a:fld id="{1BBBFEB3-0746-43FE-8CFC-F7C0D6B47749}" type="datetime1">
+              <a:rPr lang="en-US" smtClean="0"/>
               <a:t>10/5/2017</a:t>
             </a:fld>
             <a:endParaRPr lang="en-US" dirty="0"/>
@@ -3332,6 +3724,10 @@
             </a:lvl1pPr>
           </a:lstStyle>
           <a:p>
+            <a:r>
+              <a:rPr lang="it-IT" smtClean="0"/>
+              <a:t>Toponconcert.com by Danilo Argentiero &amp; Francesca Santucci</a:t>
+            </a:r>
             <a:endParaRPr lang="en-US" dirty="0"/>
           </a:p>
         </p:txBody>
@@ -3430,6 +3826,7 @@
     <p:sldLayoutId id="2147483658" r:id="rId10"/>
     <p:sldLayoutId id="2147483659" r:id="rId11"/>
   </p:sldLayoutIdLst>
+  <p:hf sldNum="0" hdr="0" dt="0"/>
   <p:txStyles>
     <p:titleStyle>
       <a:lvl1pPr algn="l" defTabSz="914400" rtl="0" eaLnBrk="1" latinLnBrk="0" hangingPunct="1">
@@ -3947,25 +4344,64 @@
               <a:rPr lang="it-IT" dirty="0" smtClean="0"/>
               <a:t>Danilo Argentiero</a:t>
             </a:r>
-            <a:r>
-              <a:rPr lang="it-IT" dirty="0" smtClean="0"/>
-              <a:t/>
-            </a:r>
             <a:br>
               <a:rPr lang="it-IT" dirty="0" smtClean="0"/>
             </a:br>
             <a:r>
               <a:rPr lang="it-IT" dirty="0" smtClean="0"/>
-              <a:t>Matricola: </a:t>
-            </a:r>
-            <a:r>
-              <a:rPr lang="it-IT" dirty="0" smtClean="0"/>
-              <a:t>274892</a:t>
+              <a:t>Matricola: 274892</a:t>
             </a:r>
             <a:endParaRPr lang="it-IT" dirty="0"/>
           </a:p>
         </p:txBody>
       </p:sp>
+      <p:sp>
+        <p:nvSpPr>
+          <p:cNvPr id="6" name="Segnaposto piè di pagina 5"/>
+          <p:cNvSpPr>
+            <a:spLocks noGrp="1"/>
+          </p:cNvSpPr>
+          <p:nvPr>
+            <p:ph type="ftr" sz="quarter" idx="11"/>
+          </p:nvPr>
+        </p:nvSpPr>
+        <p:spPr/>
+        <p:txBody>
+          <a:bodyPr/>
+          <a:lstStyle/>
+          <a:p>
+            <a:r>
+              <a:rPr lang="it-IT" smtClean="0"/>
+              <a:t>Toponconcert.com by Danilo Argentiero &amp; Francesca Santucci</a:t>
+            </a:r>
+            <a:endParaRPr lang="en-US" dirty="0"/>
+          </a:p>
+        </p:txBody>
+      </p:sp>
+      <p:pic>
+        <p:nvPicPr>
+          <p:cNvPr id="7" name="Immagine 6"/>
+          <p:cNvPicPr>
+            <a:picLocks noChangeAspect="1"/>
+          </p:cNvPicPr>
+          <p:nvPr/>
+        </p:nvPicPr>
+        <p:blipFill>
+          <a:blip r:embed="rId2"/>
+          <a:stretch>
+            <a:fillRect/>
+          </a:stretch>
+        </p:blipFill>
+        <p:spPr>
+          <a:xfrm>
+            <a:off x="10679645" y="6353987"/>
+            <a:ext cx="1113861" cy="389713"/>
+          </a:xfrm>
+          <a:prstGeom prst="rect">
+            <a:avLst/>
+          </a:prstGeom>
+        </p:spPr>
+      </p:pic>
     </p:spTree>
     <p:extLst>
       <p:ext uri="{BB962C8B-B14F-4D97-AF65-F5344CB8AC3E}">
@@ -4086,6 +4522,53 @@
           </a:p>
         </p:txBody>
       </p:sp>
+      <p:sp>
+        <p:nvSpPr>
+          <p:cNvPr id="4" name="Segnaposto piè di pagina 3"/>
+          <p:cNvSpPr>
+            <a:spLocks noGrp="1"/>
+          </p:cNvSpPr>
+          <p:nvPr>
+            <p:ph type="ftr" sz="quarter" idx="11"/>
+          </p:nvPr>
+        </p:nvSpPr>
+        <p:spPr/>
+        <p:txBody>
+          <a:bodyPr/>
+          <a:lstStyle/>
+          <a:p>
+            <a:r>
+              <a:rPr lang="it-IT" smtClean="0"/>
+              <a:t>Toponconcert.com by Danilo Argentiero &amp; Francesca Santucci</a:t>
+            </a:r>
+            <a:endParaRPr lang="en-US" dirty="0"/>
+          </a:p>
+        </p:txBody>
+      </p:sp>
+      <p:pic>
+        <p:nvPicPr>
+          <p:cNvPr id="5" name="Immagine 4"/>
+          <p:cNvPicPr>
+            <a:picLocks noChangeAspect="1"/>
+          </p:cNvPicPr>
+          <p:nvPr/>
+        </p:nvPicPr>
+        <p:blipFill>
+          <a:blip r:embed="rId2"/>
+          <a:stretch>
+            <a:fillRect/>
+          </a:stretch>
+        </p:blipFill>
+        <p:spPr>
+          <a:xfrm>
+            <a:off x="10679645" y="6353987"/>
+            <a:ext cx="1113861" cy="389713"/>
+          </a:xfrm>
+          <a:prstGeom prst="rect">
+            <a:avLst/>
+          </a:prstGeom>
+        </p:spPr>
+      </p:pic>
     </p:spTree>
     <p:extLst>
       <p:ext uri="{BB962C8B-B14F-4D97-AF65-F5344CB8AC3E}">
@@ -4258,6 +4741,53 @@
             <a:off x="7744044" y="3632748"/>
             <a:ext cx="2005923" cy="2224752"/>
           </a:xfrm>
+        </p:spPr>
+      </p:pic>
+      <p:sp>
+        <p:nvSpPr>
+          <p:cNvPr id="4" name="Segnaposto piè di pagina 3"/>
+          <p:cNvSpPr>
+            <a:spLocks noGrp="1"/>
+          </p:cNvSpPr>
+          <p:nvPr>
+            <p:ph type="ftr" sz="quarter" idx="11"/>
+          </p:nvPr>
+        </p:nvSpPr>
+        <p:spPr/>
+        <p:txBody>
+          <a:bodyPr/>
+          <a:lstStyle/>
+          <a:p>
+            <a:r>
+              <a:rPr lang="it-IT" smtClean="0"/>
+              <a:t>Toponconcert.com by Danilo Argentiero &amp; Francesca Santucci</a:t>
+            </a:r>
+            <a:endParaRPr lang="en-US" dirty="0"/>
+          </a:p>
+        </p:txBody>
+      </p:sp>
+      <p:pic>
+        <p:nvPicPr>
+          <p:cNvPr id="9" name="Immagine 8"/>
+          <p:cNvPicPr>
+            <a:picLocks noChangeAspect="1"/>
+          </p:cNvPicPr>
+          <p:nvPr/>
+        </p:nvPicPr>
+        <p:blipFill>
+          <a:blip r:embed="rId4"/>
+          <a:stretch>
+            <a:fillRect/>
+          </a:stretch>
+        </p:blipFill>
+        <p:spPr>
+          <a:xfrm>
+            <a:off x="10679645" y="6353987"/>
+            <a:ext cx="1113861" cy="389713"/>
+          </a:xfrm>
+          <a:prstGeom prst="rect">
+            <a:avLst/>
+          </a:prstGeom>
         </p:spPr>
       </p:pic>
     </p:spTree>
@@ -4336,6 +4866,53 @@
           </a:p>
         </p:txBody>
       </p:sp>
+      <p:sp>
+        <p:nvSpPr>
+          <p:cNvPr id="4" name="Segnaposto piè di pagina 3"/>
+          <p:cNvSpPr>
+            <a:spLocks noGrp="1"/>
+          </p:cNvSpPr>
+          <p:nvPr>
+            <p:ph type="ftr" sz="quarter" idx="11"/>
+          </p:nvPr>
+        </p:nvSpPr>
+        <p:spPr/>
+        <p:txBody>
+          <a:bodyPr/>
+          <a:lstStyle/>
+          <a:p>
+            <a:r>
+              <a:rPr lang="it-IT" smtClean="0"/>
+              <a:t>Toponconcert.com by Danilo Argentiero &amp; Francesca Santucci</a:t>
+            </a:r>
+            <a:endParaRPr lang="en-US" dirty="0"/>
+          </a:p>
+        </p:txBody>
+      </p:sp>
+      <p:pic>
+        <p:nvPicPr>
+          <p:cNvPr id="5" name="Immagine 4"/>
+          <p:cNvPicPr>
+            <a:picLocks noChangeAspect="1"/>
+          </p:cNvPicPr>
+          <p:nvPr/>
+        </p:nvPicPr>
+        <p:blipFill>
+          <a:blip r:embed="rId2"/>
+          <a:stretch>
+            <a:fillRect/>
+          </a:stretch>
+        </p:blipFill>
+        <p:spPr>
+          <a:xfrm>
+            <a:off x="10679645" y="6353987"/>
+            <a:ext cx="1113861" cy="389713"/>
+          </a:xfrm>
+          <a:prstGeom prst="rect">
+            <a:avLst/>
+          </a:prstGeom>
+        </p:spPr>
+      </p:pic>
     </p:spTree>
     <p:extLst>
       <p:ext uri="{BB962C8B-B14F-4D97-AF65-F5344CB8AC3E}">
@@ -4416,6 +4993,53 @@
             <a:off x="2374900" y="1943905"/>
             <a:ext cx="8140700" cy="4572311"/>
           </a:xfrm>
+        </p:spPr>
+      </p:pic>
+      <p:sp>
+        <p:nvSpPr>
+          <p:cNvPr id="3" name="Segnaposto piè di pagina 2"/>
+          <p:cNvSpPr>
+            <a:spLocks noGrp="1"/>
+          </p:cNvSpPr>
+          <p:nvPr>
+            <p:ph type="ftr" sz="quarter" idx="11"/>
+          </p:nvPr>
+        </p:nvSpPr>
+        <p:spPr/>
+        <p:txBody>
+          <a:bodyPr/>
+          <a:lstStyle/>
+          <a:p>
+            <a:r>
+              <a:rPr lang="it-IT" smtClean="0"/>
+              <a:t>Toponconcert.com by Danilo Argentiero &amp; Francesca Santucci</a:t>
+            </a:r>
+            <a:endParaRPr lang="en-US" dirty="0"/>
+          </a:p>
+        </p:txBody>
+      </p:sp>
+      <p:pic>
+        <p:nvPicPr>
+          <p:cNvPr id="5" name="Immagine 4"/>
+          <p:cNvPicPr>
+            <a:picLocks noChangeAspect="1"/>
+          </p:cNvPicPr>
+          <p:nvPr/>
+        </p:nvPicPr>
+        <p:blipFill>
+          <a:blip r:embed="rId3"/>
+          <a:stretch>
+            <a:fillRect/>
+          </a:stretch>
+        </p:blipFill>
+        <p:spPr>
+          <a:xfrm>
+            <a:off x="10679645" y="6353987"/>
+            <a:ext cx="1113861" cy="389713"/>
+          </a:xfrm>
+          <a:prstGeom prst="rect">
+            <a:avLst/>
+          </a:prstGeom>
         </p:spPr>
       </p:pic>
     </p:spTree>
@@ -4501,6 +5125,53 @@
           </a:xfrm>
         </p:spPr>
       </p:pic>
+      <p:sp>
+        <p:nvSpPr>
+          <p:cNvPr id="3" name="Segnaposto piè di pagina 2"/>
+          <p:cNvSpPr>
+            <a:spLocks noGrp="1"/>
+          </p:cNvSpPr>
+          <p:nvPr>
+            <p:ph type="ftr" sz="quarter" idx="11"/>
+          </p:nvPr>
+        </p:nvSpPr>
+        <p:spPr/>
+        <p:txBody>
+          <a:bodyPr/>
+          <a:lstStyle/>
+          <a:p>
+            <a:r>
+              <a:rPr lang="it-IT" smtClean="0"/>
+              <a:t>Toponconcert.com by Danilo Argentiero &amp; Francesca Santucci</a:t>
+            </a:r>
+            <a:endParaRPr lang="en-US" dirty="0"/>
+          </a:p>
+        </p:txBody>
+      </p:sp>
+      <p:pic>
+        <p:nvPicPr>
+          <p:cNvPr id="5" name="Immagine 4"/>
+          <p:cNvPicPr>
+            <a:picLocks noChangeAspect="1"/>
+          </p:cNvPicPr>
+          <p:nvPr/>
+        </p:nvPicPr>
+        <p:blipFill>
+          <a:blip r:embed="rId3"/>
+          <a:stretch>
+            <a:fillRect/>
+          </a:stretch>
+        </p:blipFill>
+        <p:spPr>
+          <a:xfrm>
+            <a:off x="10679645" y="6353987"/>
+            <a:ext cx="1113861" cy="389713"/>
+          </a:xfrm>
+          <a:prstGeom prst="rect">
+            <a:avLst/>
+          </a:prstGeom>
+        </p:spPr>
+      </p:pic>
     </p:spTree>
     <p:extLst>
       <p:ext uri="{BB962C8B-B14F-4D97-AF65-F5344CB8AC3E}">
@@ -4577,6 +5248,53 @@
           </a:p>
         </p:txBody>
       </p:sp>
+      <p:sp>
+        <p:nvSpPr>
+          <p:cNvPr id="4" name="Segnaposto piè di pagina 3"/>
+          <p:cNvSpPr>
+            <a:spLocks noGrp="1"/>
+          </p:cNvSpPr>
+          <p:nvPr>
+            <p:ph type="ftr" sz="quarter" idx="11"/>
+          </p:nvPr>
+        </p:nvSpPr>
+        <p:spPr/>
+        <p:txBody>
+          <a:bodyPr/>
+          <a:lstStyle/>
+          <a:p>
+            <a:r>
+              <a:rPr lang="it-IT" smtClean="0"/>
+              <a:t>Toponconcert.com by Danilo Argentiero &amp; Francesca Santucci</a:t>
+            </a:r>
+            <a:endParaRPr lang="en-US" dirty="0"/>
+          </a:p>
+        </p:txBody>
+      </p:sp>
+      <p:pic>
+        <p:nvPicPr>
+          <p:cNvPr id="5" name="Immagine 4"/>
+          <p:cNvPicPr>
+            <a:picLocks noChangeAspect="1"/>
+          </p:cNvPicPr>
+          <p:nvPr/>
+        </p:nvPicPr>
+        <p:blipFill>
+          <a:blip r:embed="rId2"/>
+          <a:stretch>
+            <a:fillRect/>
+          </a:stretch>
+        </p:blipFill>
+        <p:spPr>
+          <a:xfrm>
+            <a:off x="10679645" y="6353987"/>
+            <a:ext cx="1113861" cy="389713"/>
+          </a:xfrm>
+          <a:prstGeom prst="rect">
+            <a:avLst/>
+          </a:prstGeom>
+        </p:spPr>
+      </p:pic>
     </p:spTree>
     <p:extLst>
       <p:ext uri="{BB962C8B-B14F-4D97-AF65-F5344CB8AC3E}">
@@ -4711,11 +5429,7 @@
             </a:r>
             <a:r>
               <a:rPr lang="it-IT" dirty="0"/>
-              <a:t>verifica se le credenziali di autenticazione sono corrette prima di gestire il relativo </a:t>
-            </a:r>
-            <a:r>
-              <a:rPr lang="it-IT" dirty="0"/>
-              <a:t>C</a:t>
+              <a:t>verifica se le credenziali di autenticazione sono corrette prima di gestire il relativo C</a:t>
             </a:r>
             <a:r>
               <a:rPr lang="it-IT" dirty="0" smtClean="0"/>
@@ -4782,6 +5496,69 @@
           <a:xfrm>
             <a:off x="6417823" y="3606800"/>
             <a:ext cx="5375683" cy="3022600"/>
+          </a:xfrm>
+          <a:prstGeom prst="rect">
+            <a:avLst/>
+          </a:prstGeom>
+        </p:spPr>
+      </p:pic>
+      <p:sp>
+        <p:nvSpPr>
+          <p:cNvPr id="6" name="Segnaposto piè di pagina 5"/>
+          <p:cNvSpPr>
+            <a:spLocks noGrp="1"/>
+          </p:cNvSpPr>
+          <p:nvPr>
+            <p:ph type="ftr" sz="quarter" idx="11"/>
+          </p:nvPr>
+        </p:nvSpPr>
+        <p:spPr/>
+        <p:txBody>
+          <a:bodyPr/>
+          <a:lstStyle/>
+          <a:p>
+            <a:r>
+              <a:rPr lang="en-US" dirty="0" smtClean="0"/>
+              <a:t>Toponconcert.com by </a:t>
+            </a:r>
+            <a:r>
+              <a:rPr lang="en-US" dirty="0" err="1" smtClean="0"/>
+              <a:t>Danilo</a:t>
+            </a:r>
+            <a:r>
+              <a:rPr lang="en-US" dirty="0" smtClean="0"/>
+              <a:t> </a:t>
+            </a:r>
+            <a:r>
+              <a:rPr lang="en-US" dirty="0" err="1" smtClean="0"/>
+              <a:t>Argentiero</a:t>
+            </a:r>
+            <a:r>
+              <a:rPr lang="en-US" dirty="0" smtClean="0"/>
+              <a:t> &amp; Francesca Santucci</a:t>
+            </a:r>
+            <a:endParaRPr lang="en-US" dirty="0"/>
+          </a:p>
+        </p:txBody>
+      </p:sp>
+      <p:pic>
+        <p:nvPicPr>
+          <p:cNvPr id="8" name="Immagine 7"/>
+          <p:cNvPicPr>
+            <a:picLocks noChangeAspect="1"/>
+          </p:cNvPicPr>
+          <p:nvPr/>
+        </p:nvPicPr>
+        <p:blipFill>
+          <a:blip r:embed="rId3"/>
+          <a:stretch>
+            <a:fillRect/>
+          </a:stretch>
+        </p:blipFill>
+        <p:spPr>
+          <a:xfrm>
+            <a:off x="10679645" y="6353987"/>
+            <a:ext cx="1113861" cy="389713"/>
           </a:xfrm>
           <a:prstGeom prst="rect">
             <a:avLst/>
@@ -5057,4 +5834,265 @@
     </a:ext>
   </a:extLst>
 </a:theme>
+</file>
+
+<file path=ppt/theme/theme2.xml><?xml version="1.0" encoding="utf-8"?>
+<a:theme xmlns:a="http://schemas.openxmlformats.org/drawingml/2006/main" name="Tema di Office">
+  <a:themeElements>
+    <a:clrScheme name="Office">
+      <a:dk1>
+        <a:sysClr val="windowText" lastClr="000000"/>
+      </a:dk1>
+      <a:lt1>
+        <a:sysClr val="window" lastClr="FFFFFF"/>
+      </a:lt1>
+      <a:dk2>
+        <a:srgbClr val="44546A"/>
+      </a:dk2>
+      <a:lt2>
+        <a:srgbClr val="E7E6E6"/>
+      </a:lt2>
+      <a:accent1>
+        <a:srgbClr val="5B9BD5"/>
+      </a:accent1>
+      <a:accent2>
+        <a:srgbClr val="ED7D31"/>
+      </a:accent2>
+      <a:accent3>
+        <a:srgbClr val="A5A5A5"/>
+      </a:accent3>
+      <a:accent4>
+        <a:srgbClr val="FFC000"/>
+      </a:accent4>
+      <a:accent5>
+        <a:srgbClr val="4472C4"/>
+      </a:accent5>
+      <a:accent6>
+        <a:srgbClr val="70AD47"/>
+      </a:accent6>
+      <a:hlink>
+        <a:srgbClr val="0563C1"/>
+      </a:hlink>
+      <a:folHlink>
+        <a:srgbClr val="954F72"/>
+      </a:folHlink>
+    </a:clrScheme>
+    <a:fontScheme name="Office">
+      <a:majorFont>
+        <a:latin typeface="Calibri Light" panose="020F0302020204030204"/>
+        <a:ea typeface=""/>
+        <a:cs typeface=""/>
+        <a:font script="Jpan" typeface="游ゴシック Light"/>
+        <a:font script="Hang" typeface="맑은 고딕"/>
+        <a:font script="Hans" typeface="等线 Light"/>
+        <a:font script="Hant" typeface="新細明體"/>
+        <a:font script="Arab" typeface="Times New Roman"/>
+        <a:font script="Hebr" typeface="Times New Roman"/>
+        <a:font script="Thai" typeface="Angsana New"/>
+        <a:font script="Ethi" typeface="Nyala"/>
+        <a:font script="Beng" typeface="Vrinda"/>
+        <a:font script="Gujr" typeface="Shruti"/>
+        <a:font script="Khmr" typeface="MoolBoran"/>
+        <a:font script="Knda" typeface="Tunga"/>
+        <a:font script="Guru" typeface="Raavi"/>
+        <a:font script="Cans" typeface="Euphemia"/>
+        <a:font script="Cher" typeface="Plantagenet Cherokee"/>
+        <a:font script="Yiii" typeface="Microsoft Yi Baiti"/>
+        <a:font script="Tibt" typeface="Microsoft Himalaya"/>
+        <a:font script="Thaa" typeface="MV Boli"/>
+        <a:font script="Deva" typeface="Mangal"/>
+        <a:font script="Telu" typeface="Gautami"/>
+        <a:font script="Taml" typeface="Latha"/>
+        <a:font script="Syrc" typeface="Estrangelo Edessa"/>
+        <a:font script="Orya" typeface="Kalinga"/>
+        <a:font script="Mlym" typeface="Kartika"/>
+        <a:font script="Laoo" typeface="DokChampa"/>
+        <a:font script="Sinh" typeface="Iskoola Pota"/>
+        <a:font script="Mong" typeface="Mongolian Baiti"/>
+        <a:font script="Viet" typeface="Times New Roman"/>
+        <a:font script="Uigh" typeface="Microsoft Uighur"/>
+        <a:font script="Geor" typeface="Sylfaen"/>
+      </a:majorFont>
+      <a:minorFont>
+        <a:latin typeface="Calibri" panose="020F0502020204030204"/>
+        <a:ea typeface=""/>
+        <a:cs typeface=""/>
+        <a:font script="Jpan" typeface="游ゴシック"/>
+        <a:font script="Hang" typeface="맑은 고딕"/>
+        <a:font script="Hans" typeface="等线"/>
+        <a:font script="Hant" typeface="新細明體"/>
+        <a:font script="Arab" typeface="Arial"/>
+        <a:font script="Hebr" typeface="Arial"/>
+        <a:font script="Thai" typeface="Cordia New"/>
+        <a:font script="Ethi" typeface="Nyala"/>
+        <a:font script="Beng" typeface="Vrinda"/>
+        <a:font script="Gujr" typeface="Shruti"/>
+        <a:font script="Khmr" typeface="DaunPenh"/>
+        <a:font script="Knda" typeface="Tunga"/>
+        <a:font script="Guru" typeface="Raavi"/>
+        <a:font script="Cans" typeface="Euphemia"/>
+        <a:font script="Cher" typeface="Plantagenet Cherokee"/>
+        <a:font script="Yiii" typeface="Microsoft Yi Baiti"/>
+        <a:font script="Tibt" typeface="Microsoft Himalaya"/>
+        <a:font script="Thaa" typeface="MV Boli"/>
+        <a:font script="Deva" typeface="Mangal"/>
+        <a:font script="Telu" typeface="Gautami"/>
+        <a:font script="Taml" typeface="Latha"/>
+        <a:font script="Syrc" typeface="Estrangelo Edessa"/>
+        <a:font script="Orya" typeface="Kalinga"/>
+        <a:font script="Mlym" typeface="Kartika"/>
+        <a:font script="Laoo" typeface="DokChampa"/>
+        <a:font script="Sinh" typeface="Iskoola Pota"/>
+        <a:font script="Mong" typeface="Mongolian Baiti"/>
+        <a:font script="Viet" typeface="Arial"/>
+        <a:font script="Uigh" typeface="Microsoft Uighur"/>
+        <a:font script="Geor" typeface="Sylfaen"/>
+      </a:minorFont>
+    </a:fontScheme>
+    <a:fmtScheme name="Office">
+      <a:fillStyleLst>
+        <a:solidFill>
+          <a:schemeClr val="phClr"/>
+        </a:solidFill>
+        <a:gradFill rotWithShape="1">
+          <a:gsLst>
+            <a:gs pos="0">
+              <a:schemeClr val="phClr">
+                <a:lumMod val="110000"/>
+                <a:satMod val="105000"/>
+                <a:tint val="67000"/>
+              </a:schemeClr>
+            </a:gs>
+            <a:gs pos="50000">
+              <a:schemeClr val="phClr">
+                <a:lumMod val="105000"/>
+                <a:satMod val="103000"/>
+                <a:tint val="73000"/>
+              </a:schemeClr>
+            </a:gs>
+            <a:gs pos="100000">
+              <a:schemeClr val="phClr">
+                <a:lumMod val="105000"/>
+                <a:satMod val="109000"/>
+                <a:tint val="81000"/>
+              </a:schemeClr>
+            </a:gs>
+          </a:gsLst>
+          <a:lin ang="5400000" scaled="0"/>
+        </a:gradFill>
+        <a:gradFill rotWithShape="1">
+          <a:gsLst>
+            <a:gs pos="0">
+              <a:schemeClr val="phClr">
+                <a:satMod val="103000"/>
+                <a:lumMod val="102000"/>
+                <a:tint val="94000"/>
+              </a:schemeClr>
+            </a:gs>
+            <a:gs pos="50000">
+              <a:schemeClr val="phClr">
+                <a:satMod val="110000"/>
+                <a:lumMod val="100000"/>
+                <a:shade val="100000"/>
+              </a:schemeClr>
+            </a:gs>
+            <a:gs pos="100000">
+              <a:schemeClr val="phClr">
+                <a:lumMod val="99000"/>
+                <a:satMod val="120000"/>
+                <a:shade val="78000"/>
+              </a:schemeClr>
+            </a:gs>
+          </a:gsLst>
+          <a:lin ang="5400000" scaled="0"/>
+        </a:gradFill>
+      </a:fillStyleLst>
+      <a:lnStyleLst>
+        <a:ln w="6350" cap="flat" cmpd="sng" algn="ctr">
+          <a:solidFill>
+            <a:schemeClr val="phClr"/>
+          </a:solidFill>
+          <a:prstDash val="solid"/>
+          <a:miter lim="800000"/>
+        </a:ln>
+        <a:ln w="12700" cap="flat" cmpd="sng" algn="ctr">
+          <a:solidFill>
+            <a:schemeClr val="phClr"/>
+          </a:solidFill>
+          <a:prstDash val="solid"/>
+          <a:miter lim="800000"/>
+        </a:ln>
+        <a:ln w="19050" cap="flat" cmpd="sng" algn="ctr">
+          <a:solidFill>
+            <a:schemeClr val="phClr"/>
+          </a:solidFill>
+          <a:prstDash val="solid"/>
+          <a:miter lim="800000"/>
+        </a:ln>
+      </a:lnStyleLst>
+      <a:effectStyleLst>
+        <a:effectStyle>
+          <a:effectLst/>
+        </a:effectStyle>
+        <a:effectStyle>
+          <a:effectLst/>
+        </a:effectStyle>
+        <a:effectStyle>
+          <a:effectLst>
+            <a:outerShdw blurRad="57150" dist="19050" dir="5400000" algn="ctr" rotWithShape="0">
+              <a:srgbClr val="000000">
+                <a:alpha val="63000"/>
+              </a:srgbClr>
+            </a:outerShdw>
+          </a:effectLst>
+        </a:effectStyle>
+      </a:effectStyleLst>
+      <a:bgFillStyleLst>
+        <a:solidFill>
+          <a:schemeClr val="phClr"/>
+        </a:solidFill>
+        <a:solidFill>
+          <a:schemeClr val="phClr">
+            <a:tint val="95000"/>
+            <a:satMod val="170000"/>
+          </a:schemeClr>
+        </a:solidFill>
+        <a:gradFill rotWithShape="1">
+          <a:gsLst>
+            <a:gs pos="0">
+              <a:schemeClr val="phClr">
+                <a:tint val="93000"/>
+                <a:satMod val="150000"/>
+                <a:shade val="98000"/>
+                <a:lumMod val="102000"/>
+              </a:schemeClr>
+            </a:gs>
+            <a:gs pos="50000">
+              <a:schemeClr val="phClr">
+                <a:tint val="98000"/>
+                <a:satMod val="130000"/>
+                <a:shade val="90000"/>
+                <a:lumMod val="103000"/>
+              </a:schemeClr>
+            </a:gs>
+            <a:gs pos="100000">
+              <a:schemeClr val="phClr">
+                <a:shade val="63000"/>
+                <a:satMod val="120000"/>
+              </a:schemeClr>
+            </a:gs>
+          </a:gsLst>
+          <a:lin ang="5400000" scaled="0"/>
+        </a:gradFill>
+      </a:bgFillStyleLst>
+    </a:fmtScheme>
+  </a:themeElements>
+  <a:objectDefaults/>
+  <a:extraClrSchemeLst/>
+  <a:extLst>
+    <a:ext uri="{05A4C25C-085E-4340-85A3-A5531E510DB2}">
+      <thm15:themeFamily xmlns:thm15="http://schemas.microsoft.com/office/thememl/2012/main" name="Office Theme" id="{62F939B6-93AF-4DB8-9C6B-D6C7DFDC589F}" vid="{4A3C46E8-61CC-4603-A589-7422A47A8E4A}"/>
+    </a:ext>
+  </a:extLst>
+</a:theme>
 </file>